--- a/HR_Car_최종 발표.pptx
+++ b/HR_Car_최종 발표.pptx
@@ -9,8 +9,7 @@
     <p:sldId id="259" r:id="rId3"/>
     <p:sldId id="260" r:id="rId4"/>
     <p:sldId id="261" r:id="rId5"/>
-    <p:sldId id="262" r:id="rId6"/>
-    <p:sldId id="263" r:id="rId7"/>
+    <p:sldId id="263" r:id="rId6"/>
   </p:sldIdLst>
   <p:sldSz cx="12192000" cy="6858000"/>
   <p:notesSz cx="6858000" cy="9144000"/>
@@ -109,6 +108,11 @@
       </a:defRPr>
     </a:lvl9pPr>
   </p:defaultTextStyle>
+  <p:extLst>
+    <p:ext uri="{EFAFB233-063F-42B5-8137-9DF3F51BA10A}">
+      <p15:sldGuideLst xmlns:p15="http://schemas.microsoft.com/office/powerpoint/2012/main"/>
+    </p:ext>
+  </p:extLst>
 </p:presentation>
 </file>
 
@@ -243,7 +247,7 @@
           <a:p>
             <a:fld id="{A7963307-972A-4CC4-B0C9-AD650FEF1D04}" type="datetimeFigureOut">
               <a:rPr lang="ko-KR" altLang="en-US" smtClean="0"/>
-              <a:t>2016-12-20</a:t>
+              <a:t>2016-12-21</a:t>
             </a:fld>
             <a:endParaRPr lang="ko-KR" altLang="en-US"/>
           </a:p>
@@ -413,7 +417,7 @@
           <a:p>
             <a:fld id="{A7963307-972A-4CC4-B0C9-AD650FEF1D04}" type="datetimeFigureOut">
               <a:rPr lang="ko-KR" altLang="en-US" smtClean="0"/>
-              <a:t>2016-12-20</a:t>
+              <a:t>2016-12-21</a:t>
             </a:fld>
             <a:endParaRPr lang="ko-KR" altLang="en-US"/>
           </a:p>
@@ -593,7 +597,7 @@
           <a:p>
             <a:fld id="{A7963307-972A-4CC4-B0C9-AD650FEF1D04}" type="datetimeFigureOut">
               <a:rPr lang="ko-KR" altLang="en-US" smtClean="0"/>
-              <a:t>2016-12-20</a:t>
+              <a:t>2016-12-21</a:t>
             </a:fld>
             <a:endParaRPr lang="ko-KR" altLang="en-US"/>
           </a:p>
@@ -1163,7 +1167,7 @@
           <a:p>
             <a:fld id="{A7963307-972A-4CC4-B0C9-AD650FEF1D04}" type="datetimeFigureOut">
               <a:rPr lang="ko-KR" altLang="en-US" smtClean="0"/>
-              <a:t>2016-12-20</a:t>
+              <a:t>2016-12-21</a:t>
             </a:fld>
             <a:endParaRPr lang="ko-KR" altLang="en-US"/>
           </a:p>
@@ -1409,7 +1413,7 @@
           <a:p>
             <a:fld id="{A7963307-972A-4CC4-B0C9-AD650FEF1D04}" type="datetimeFigureOut">
               <a:rPr lang="ko-KR" altLang="en-US" smtClean="0"/>
-              <a:t>2016-12-20</a:t>
+              <a:t>2016-12-21</a:t>
             </a:fld>
             <a:endParaRPr lang="ko-KR" altLang="en-US"/>
           </a:p>
@@ -1641,7 +1645,7 @@
           <a:p>
             <a:fld id="{A7963307-972A-4CC4-B0C9-AD650FEF1D04}" type="datetimeFigureOut">
               <a:rPr lang="ko-KR" altLang="en-US" smtClean="0"/>
-              <a:t>2016-12-20</a:t>
+              <a:t>2016-12-21</a:t>
             </a:fld>
             <a:endParaRPr lang="ko-KR" altLang="en-US"/>
           </a:p>
@@ -2008,7 +2012,7 @@
           <a:p>
             <a:fld id="{A7963307-972A-4CC4-B0C9-AD650FEF1D04}" type="datetimeFigureOut">
               <a:rPr lang="ko-KR" altLang="en-US" smtClean="0"/>
-              <a:t>2016-12-20</a:t>
+              <a:t>2016-12-21</a:t>
             </a:fld>
             <a:endParaRPr lang="ko-KR" altLang="en-US"/>
           </a:p>
@@ -2126,7 +2130,7 @@
           <a:p>
             <a:fld id="{A7963307-972A-4CC4-B0C9-AD650FEF1D04}" type="datetimeFigureOut">
               <a:rPr lang="ko-KR" altLang="en-US" smtClean="0"/>
-              <a:t>2016-12-20</a:t>
+              <a:t>2016-12-21</a:t>
             </a:fld>
             <a:endParaRPr lang="ko-KR" altLang="en-US"/>
           </a:p>
@@ -2221,7 +2225,7 @@
           <a:p>
             <a:fld id="{A7963307-972A-4CC4-B0C9-AD650FEF1D04}" type="datetimeFigureOut">
               <a:rPr lang="ko-KR" altLang="en-US" smtClean="0"/>
-              <a:t>2016-12-20</a:t>
+              <a:t>2016-12-21</a:t>
             </a:fld>
             <a:endParaRPr lang="ko-KR" altLang="en-US"/>
           </a:p>
@@ -2498,7 +2502,7 @@
           <a:p>
             <a:fld id="{A7963307-972A-4CC4-B0C9-AD650FEF1D04}" type="datetimeFigureOut">
               <a:rPr lang="ko-KR" altLang="en-US" smtClean="0"/>
-              <a:t>2016-12-20</a:t>
+              <a:t>2016-12-21</a:t>
             </a:fld>
             <a:endParaRPr lang="ko-KR" altLang="en-US"/>
           </a:p>
@@ -2751,7 +2755,7 @@
           <a:p>
             <a:fld id="{A7963307-972A-4CC4-B0C9-AD650FEF1D04}" type="datetimeFigureOut">
               <a:rPr lang="ko-KR" altLang="en-US" smtClean="0"/>
-              <a:t>2016-12-20</a:t>
+              <a:t>2016-12-21</a:t>
             </a:fld>
             <a:endParaRPr lang="ko-KR" altLang="en-US"/>
           </a:p>
@@ -2964,7 +2968,7 @@
           <a:p>
             <a:fld id="{A7963307-972A-4CC4-B0C9-AD650FEF1D04}" type="datetimeFigureOut">
               <a:rPr lang="ko-KR" altLang="en-US" smtClean="0"/>
-              <a:t>2016-12-20</a:t>
+              <a:t>2016-12-21</a:t>
             </a:fld>
             <a:endParaRPr lang="ko-KR" altLang="en-US"/>
           </a:p>
@@ -3767,7 +3771,7 @@
         <p:spPr/>
         <p:txBody>
           <a:bodyPr>
-            <a:normAutofit lnSpcReduction="10000"/>
+            <a:normAutofit/>
           </a:bodyPr>
           <a:lstStyle/>
           <a:p>
@@ -3806,38 +3810,24 @@
             <a:endParaRPr lang="en-US" altLang="ko-KR" sz="2970" dirty="0" smtClean="0"/>
           </a:p>
           <a:p>
-            <a:pPr marL="514350" indent="-514350">
-              <a:buAutoNum type="arabicPeriod"/>
-            </a:pPr>
-            <a:endParaRPr lang="en-US" altLang="ko-KR" sz="2970" dirty="0" smtClean="0"/>
-          </a:p>
-          <a:p>
-            <a:pPr marL="514350" indent="-514350">
-              <a:buAutoNum type="arabicPeriod"/>
-            </a:pPr>
-            <a:r>
-              <a:rPr lang="ko-KR" altLang="en-US" sz="2970" dirty="0" smtClean="0"/>
-              <a:t>시연 동영상</a:t>
-            </a:r>
-            <a:endParaRPr lang="en-US" altLang="ko-KR" sz="2970" dirty="0" smtClean="0"/>
-          </a:p>
-          <a:p>
-            <a:pPr marL="514350" indent="-514350">
-              <a:buAutoNum type="arabicPeriod"/>
-            </a:pPr>
             <a:endParaRPr lang="en-US" altLang="ko-KR" sz="2970" dirty="0"/>
           </a:p>
           <a:p>
-            <a:pPr marL="514350" indent="-514350">
-              <a:buAutoNum type="arabicPeriod"/>
-            </a:pPr>
+            <a:r>
+              <a:rPr lang="en-US" altLang="ko-KR" sz="2970" dirty="0" smtClean="0"/>
+              <a:t>3.</a:t>
+            </a:r>
             <a:r>
               <a:rPr lang="ko-KR" altLang="en-US" sz="2970" dirty="0" err="1" smtClean="0"/>
               <a:t>개선해야할</a:t>
             </a:r>
             <a:r>
               <a:rPr lang="ko-KR" altLang="en-US" sz="2970" dirty="0" smtClean="0"/>
-              <a:t> 점</a:t>
+              <a:t> </a:t>
+            </a:r>
+            <a:r>
+              <a:rPr lang="ko-KR" altLang="en-US" sz="2970" dirty="0" smtClean="0"/>
+              <a:t>점</a:t>
             </a:r>
             <a:endParaRPr lang="ko-KR" altLang="en-US" sz="2970" dirty="0"/>
           </a:p>
@@ -4107,11 +4097,7 @@
             </a:r>
             <a:r>
               <a:rPr lang="ko-KR" altLang="en-US" sz="1900" dirty="0" smtClean="0"/>
-              <a:t> </a:t>
-            </a:r>
-            <a:r>
-              <a:rPr lang="ko-KR" altLang="en-US" sz="1900" dirty="0" smtClean="0"/>
-              <a:t>이용해 만든 </a:t>
+              <a:t> 이용해 만든 </a:t>
             </a:r>
             <a:r>
               <a:rPr lang="ko-KR" altLang="en-US" sz="1900" dirty="0" err="1" smtClean="0"/>
@@ -4178,11 +4164,7 @@
             </a:r>
             <a:r>
               <a:rPr lang="ko-KR" altLang="en-US" sz="1900" dirty="0" smtClean="0"/>
-              <a:t>모터를 이용</a:t>
-            </a:r>
-            <a:r>
-              <a:rPr lang="ko-KR" altLang="en-US" sz="1900" dirty="0" smtClean="0"/>
-              <a:t>하며</a:t>
+              <a:t>모터를 이용하며</a:t>
             </a:r>
             <a:r>
               <a:rPr lang="en-US" altLang="ko-KR" sz="1900" dirty="0" smtClean="0"/>
@@ -4394,103 +4376,6 @@
 </file>
 
 <file path=ppt/slides/slide5.xml><?xml version="1.0" encoding="utf-8"?>
-<p:sld xmlns:a="http://schemas.openxmlformats.org/drawingml/2006/main" xmlns:r="http://schemas.openxmlformats.org/officeDocument/2006/relationships" xmlns:p="http://schemas.openxmlformats.org/presentationml/2006/main">
-  <p:cSld>
-    <p:spTree>
-      <p:nvGrpSpPr>
-        <p:cNvPr id="1" name=""/>
-        <p:cNvGrpSpPr/>
-        <p:nvPr/>
-      </p:nvGrpSpPr>
-      <p:grpSpPr>
-        <a:xfrm>
-          <a:off x="0" y="0"/>
-          <a:ext cx="0" cy="0"/>
-          <a:chOff x="0" y="0"/>
-          <a:chExt cx="0" cy="0"/>
-        </a:xfrm>
-      </p:grpSpPr>
-      <p:sp>
-        <p:nvSpPr>
-          <p:cNvPr id="3" name="Title 2"/>
-          <p:cNvSpPr>
-            <a:spLocks noGrp="1"/>
-          </p:cNvSpPr>
-          <p:nvPr>
-            <p:ph type="title"/>
-          </p:nvPr>
-        </p:nvSpPr>
-        <p:spPr/>
-        <p:txBody>
-          <a:bodyPr/>
-          <a:lstStyle/>
-          <a:p>
-            <a:r>
-              <a:rPr lang="ko-KR" altLang="en-US" dirty="0" smtClean="0"/>
-              <a:t>시연 동영상</a:t>
-            </a:r>
-            <a:endParaRPr lang="ko-KR" altLang="en-US" dirty="0"/>
-          </a:p>
-        </p:txBody>
-      </p:sp>
-      <p:sp>
-        <p:nvSpPr>
-          <p:cNvPr id="2" name="Content Placeholder 1"/>
-          <p:cNvSpPr>
-            <a:spLocks noGrp="1"/>
-          </p:cNvSpPr>
-          <p:nvPr>
-            <p:ph idx="1"/>
-          </p:nvPr>
-        </p:nvSpPr>
-        <p:spPr>
-          <a:xfrm>
-            <a:off x="2639616" y="1092480"/>
-            <a:ext cx="9217024" cy="614197"/>
-          </a:xfrm>
-        </p:spPr>
-        <p:txBody>
-          <a:bodyPr/>
-          <a:lstStyle/>
-          <a:p>
-            <a:pPr lvl="0"/>
-            <a:endParaRPr lang="en-US" b="1" dirty="0"/>
-          </a:p>
-        </p:txBody>
-      </p:sp>
-      <p:sp>
-        <p:nvSpPr>
-          <p:cNvPr id="5" name="내용 개체 틀 4"/>
-          <p:cNvSpPr>
-            <a:spLocks noGrp="1"/>
-          </p:cNvSpPr>
-          <p:nvPr>
-            <p:ph idx="10"/>
-          </p:nvPr>
-        </p:nvSpPr>
-        <p:spPr/>
-        <p:txBody>
-          <a:bodyPr/>
-          <a:lstStyle/>
-          <a:p>
-            <a:endParaRPr lang="ko-KR" altLang="en-US"/>
-          </a:p>
-        </p:txBody>
-      </p:sp>
-    </p:spTree>
-    <p:extLst>
-      <p:ext uri="{BB962C8B-B14F-4D97-AF65-F5344CB8AC3E}">
-        <p14:creationId xmlns:p14="http://schemas.microsoft.com/office/powerpoint/2010/main" val="3485321958"/>
-      </p:ext>
-    </p:extLst>
-  </p:cSld>
-  <p:clrMapOvr>
-    <a:masterClrMapping/>
-  </p:clrMapOvr>
-</p:sld>
-</file>
-
-<file path=ppt/slides/slide6.xml><?xml version="1.0" encoding="utf-8"?>
 <p:sld xmlns:a="http://schemas.openxmlformats.org/drawingml/2006/main" xmlns:r="http://schemas.openxmlformats.org/officeDocument/2006/relationships" xmlns:p="http://schemas.openxmlformats.org/presentationml/2006/main">
   <p:cSld>
     <p:spTree>

--- a/HR_Car_최종 발표.pptx
+++ b/HR_Car_최종 발표.pptx
@@ -10,6 +10,7 @@
     <p:sldId id="260" r:id="rId4"/>
     <p:sldId id="261" r:id="rId5"/>
     <p:sldId id="263" r:id="rId6"/>
+    <p:sldId id="264" r:id="rId7"/>
   </p:sldIdLst>
   <p:sldSz cx="12192000" cy="6858000"/>
   <p:notesSz cx="6858000" cy="9144000"/>
@@ -247,7 +248,7 @@
           <a:p>
             <a:fld id="{A7963307-972A-4CC4-B0C9-AD650FEF1D04}" type="datetimeFigureOut">
               <a:rPr lang="ko-KR" altLang="en-US" smtClean="0"/>
-              <a:t>2016-12-21</a:t>
+              <a:t>2016-12-24</a:t>
             </a:fld>
             <a:endParaRPr lang="ko-KR" altLang="en-US"/>
           </a:p>
@@ -417,7 +418,7 @@
           <a:p>
             <a:fld id="{A7963307-972A-4CC4-B0C9-AD650FEF1D04}" type="datetimeFigureOut">
               <a:rPr lang="ko-KR" altLang="en-US" smtClean="0"/>
-              <a:t>2016-12-21</a:t>
+              <a:t>2016-12-24</a:t>
             </a:fld>
             <a:endParaRPr lang="ko-KR" altLang="en-US"/>
           </a:p>
@@ -597,7 +598,7 @@
           <a:p>
             <a:fld id="{A7963307-972A-4CC4-B0C9-AD650FEF1D04}" type="datetimeFigureOut">
               <a:rPr lang="ko-KR" altLang="en-US" smtClean="0"/>
-              <a:t>2016-12-21</a:t>
+              <a:t>2016-12-24</a:t>
             </a:fld>
             <a:endParaRPr lang="ko-KR" altLang="en-US"/>
           </a:p>
@@ -1167,7 +1168,7 @@
           <a:p>
             <a:fld id="{A7963307-972A-4CC4-B0C9-AD650FEF1D04}" type="datetimeFigureOut">
               <a:rPr lang="ko-KR" altLang="en-US" smtClean="0"/>
-              <a:t>2016-12-21</a:t>
+              <a:t>2016-12-24</a:t>
             </a:fld>
             <a:endParaRPr lang="ko-KR" altLang="en-US"/>
           </a:p>
@@ -1413,7 +1414,7 @@
           <a:p>
             <a:fld id="{A7963307-972A-4CC4-B0C9-AD650FEF1D04}" type="datetimeFigureOut">
               <a:rPr lang="ko-KR" altLang="en-US" smtClean="0"/>
-              <a:t>2016-12-21</a:t>
+              <a:t>2016-12-24</a:t>
             </a:fld>
             <a:endParaRPr lang="ko-KR" altLang="en-US"/>
           </a:p>
@@ -1645,7 +1646,7 @@
           <a:p>
             <a:fld id="{A7963307-972A-4CC4-B0C9-AD650FEF1D04}" type="datetimeFigureOut">
               <a:rPr lang="ko-KR" altLang="en-US" smtClean="0"/>
-              <a:t>2016-12-21</a:t>
+              <a:t>2016-12-24</a:t>
             </a:fld>
             <a:endParaRPr lang="ko-KR" altLang="en-US"/>
           </a:p>
@@ -2012,7 +2013,7 @@
           <a:p>
             <a:fld id="{A7963307-972A-4CC4-B0C9-AD650FEF1D04}" type="datetimeFigureOut">
               <a:rPr lang="ko-KR" altLang="en-US" smtClean="0"/>
-              <a:t>2016-12-21</a:t>
+              <a:t>2016-12-24</a:t>
             </a:fld>
             <a:endParaRPr lang="ko-KR" altLang="en-US"/>
           </a:p>
@@ -2130,7 +2131,7 @@
           <a:p>
             <a:fld id="{A7963307-972A-4CC4-B0C9-AD650FEF1D04}" type="datetimeFigureOut">
               <a:rPr lang="ko-KR" altLang="en-US" smtClean="0"/>
-              <a:t>2016-12-21</a:t>
+              <a:t>2016-12-24</a:t>
             </a:fld>
             <a:endParaRPr lang="ko-KR" altLang="en-US"/>
           </a:p>
@@ -2225,7 +2226,7 @@
           <a:p>
             <a:fld id="{A7963307-972A-4CC4-B0C9-AD650FEF1D04}" type="datetimeFigureOut">
               <a:rPr lang="ko-KR" altLang="en-US" smtClean="0"/>
-              <a:t>2016-12-21</a:t>
+              <a:t>2016-12-24</a:t>
             </a:fld>
             <a:endParaRPr lang="ko-KR" altLang="en-US"/>
           </a:p>
@@ -2502,7 +2503,7 @@
           <a:p>
             <a:fld id="{A7963307-972A-4CC4-B0C9-AD650FEF1D04}" type="datetimeFigureOut">
               <a:rPr lang="ko-KR" altLang="en-US" smtClean="0"/>
-              <a:t>2016-12-21</a:t>
+              <a:t>2016-12-24</a:t>
             </a:fld>
             <a:endParaRPr lang="ko-KR" altLang="en-US"/>
           </a:p>
@@ -2755,7 +2756,7 @@
           <a:p>
             <a:fld id="{A7963307-972A-4CC4-B0C9-AD650FEF1D04}" type="datetimeFigureOut">
               <a:rPr lang="ko-KR" altLang="en-US" smtClean="0"/>
-              <a:t>2016-12-21</a:t>
+              <a:t>2016-12-24</a:t>
             </a:fld>
             <a:endParaRPr lang="ko-KR" altLang="en-US"/>
           </a:p>
@@ -2968,7 +2969,7 @@
           <a:p>
             <a:fld id="{A7963307-972A-4CC4-B0C9-AD650FEF1D04}" type="datetimeFigureOut">
               <a:rPr lang="ko-KR" altLang="en-US" smtClean="0"/>
-              <a:t>2016-12-21</a:t>
+              <a:t>2016-12-24</a:t>
             </a:fld>
             <a:endParaRPr lang="ko-KR" altLang="en-US"/>
           </a:p>
@@ -3716,6 +3717,13 @@
   <p:clrMapOvr>
     <a:masterClrMapping/>
   </p:clrMapOvr>
+  <p:timing>
+    <p:tnLst>
+      <p:par>
+        <p:cTn id="1" dur="indefinite" restart="never" nodeType="tmRoot"/>
+      </p:par>
+    </p:tnLst>
+  </p:timing>
 </p:sld>
 </file>
 
@@ -3771,7 +3779,7 @@
         <p:spPr/>
         <p:txBody>
           <a:bodyPr>
-            <a:normAutofit/>
+            <a:normAutofit lnSpcReduction="10000"/>
           </a:bodyPr>
           <a:lstStyle/>
           <a:p>
@@ -3815,7 +3823,11 @@
           <a:p>
             <a:r>
               <a:rPr lang="en-US" altLang="ko-KR" sz="2970" dirty="0" smtClean="0"/>
-              <a:t>3.</a:t>
+              <a:t>3</a:t>
+            </a:r>
+            <a:r>
+              <a:rPr lang="en-US" altLang="ko-KR" sz="2970" dirty="0" smtClean="0"/>
+              <a:t>. </a:t>
             </a:r>
             <a:r>
               <a:rPr lang="ko-KR" altLang="en-US" sz="2970" dirty="0" err="1" smtClean="0"/>
@@ -3823,11 +3835,21 @@
             </a:r>
             <a:r>
               <a:rPr lang="ko-KR" altLang="en-US" sz="2970" dirty="0" smtClean="0"/>
-              <a:t> </a:t>
+              <a:t> 점</a:t>
+            </a:r>
+            <a:endParaRPr lang="en-US" altLang="ko-KR" sz="2970" dirty="0" smtClean="0"/>
+          </a:p>
+          <a:p>
+            <a:endParaRPr lang="en-US" altLang="ko-KR" sz="2970" dirty="0"/>
+          </a:p>
+          <a:p>
+            <a:r>
+              <a:rPr lang="en-US" altLang="ko-KR" sz="2970" dirty="0" smtClean="0"/>
+              <a:t>4. </a:t>
             </a:r>
             <a:r>
               <a:rPr lang="ko-KR" altLang="en-US" sz="2970" dirty="0" smtClean="0"/>
-              <a:t>점</a:t>
+              <a:t>시연 동영상</a:t>
             </a:r>
             <a:endParaRPr lang="ko-KR" altLang="en-US" sz="2970" dirty="0"/>
           </a:p>
@@ -3870,6 +3892,13 @@
   <p:clrMapOvr>
     <a:masterClrMapping/>
   </p:clrMapOvr>
+  <p:timing>
+    <p:tnLst>
+      <p:par>
+        <p:cTn id="1" dur="indefinite" restart="never" nodeType="tmRoot"/>
+      </p:par>
+    </p:tnLst>
+  </p:timing>
 </p:sld>
 </file>
 
@@ -3981,6 +4010,13 @@
   <p:clrMapOvr>
     <a:masterClrMapping/>
   </p:clrMapOvr>
+  <p:timing>
+    <p:tnLst>
+      <p:par>
+        <p:cTn id="1" dur="indefinite" restart="never" nodeType="tmRoot"/>
+      </p:par>
+    </p:tnLst>
+  </p:timing>
 </p:sld>
 </file>
 
@@ -4372,6 +4408,13 @@
   <p:clrMapOvr>
     <a:masterClrMapping/>
   </p:clrMapOvr>
+  <p:timing>
+    <p:tnLst>
+      <p:par>
+        <p:cTn id="1" dur="indefinite" restart="never" nodeType="tmRoot"/>
+      </p:par>
+    </p:tnLst>
+  </p:timing>
 </p:sld>
 </file>
 
@@ -4642,6 +4685,123 @@
   <p:clrMapOvr>
     <a:masterClrMapping/>
   </p:clrMapOvr>
+  <p:timing>
+    <p:tnLst>
+      <p:par>
+        <p:cTn id="1" dur="indefinite" restart="never" nodeType="tmRoot"/>
+      </p:par>
+    </p:tnLst>
+  </p:timing>
+</p:sld>
+</file>
+
+<file path=ppt/slides/slide6.xml><?xml version="1.0" encoding="utf-8"?>
+<p:sld xmlns:a="http://schemas.openxmlformats.org/drawingml/2006/main" xmlns:r="http://schemas.openxmlformats.org/officeDocument/2006/relationships" xmlns:p="http://schemas.openxmlformats.org/presentationml/2006/main">
+  <p:cSld>
+    <p:spTree>
+      <p:nvGrpSpPr>
+        <p:cNvPr id="1" name=""/>
+        <p:cNvGrpSpPr/>
+        <p:nvPr/>
+      </p:nvGrpSpPr>
+      <p:grpSpPr>
+        <a:xfrm>
+          <a:off x="0" y="0"/>
+          <a:ext cx="0" cy="0"/>
+          <a:chOff x="0" y="0"/>
+          <a:chExt cx="0" cy="0"/>
+        </a:xfrm>
+      </p:grpSpPr>
+      <p:sp>
+        <p:nvSpPr>
+          <p:cNvPr id="3" name="Title 2"/>
+          <p:cNvSpPr>
+            <a:spLocks noGrp="1"/>
+          </p:cNvSpPr>
+          <p:nvPr>
+            <p:ph type="title"/>
+          </p:nvPr>
+        </p:nvSpPr>
+        <p:spPr/>
+        <p:txBody>
+          <a:bodyPr/>
+          <a:lstStyle/>
+          <a:p>
+            <a:r>
+              <a:rPr lang="ko-KR" altLang="en-US" dirty="0" smtClean="0"/>
+              <a:t>시연 동영상</a:t>
+            </a:r>
+            <a:endParaRPr lang="ko-KR" altLang="en-US" dirty="0"/>
+          </a:p>
+        </p:txBody>
+      </p:sp>
+      <p:sp>
+        <p:nvSpPr>
+          <p:cNvPr id="2" name="Content Placeholder 1"/>
+          <p:cNvSpPr>
+            <a:spLocks noGrp="1"/>
+          </p:cNvSpPr>
+          <p:nvPr>
+            <p:ph idx="1"/>
+          </p:nvPr>
+        </p:nvSpPr>
+        <p:spPr>
+          <a:xfrm>
+            <a:off x="2639616" y="1092480"/>
+            <a:ext cx="9217024" cy="614197"/>
+          </a:xfrm>
+        </p:spPr>
+        <p:txBody>
+          <a:bodyPr/>
+          <a:lstStyle/>
+          <a:p>
+            <a:pPr lvl="0"/>
+            <a:endParaRPr lang="en-US" b="1" dirty="0"/>
+          </a:p>
+        </p:txBody>
+      </p:sp>
+      <p:sp>
+        <p:nvSpPr>
+          <p:cNvPr id="5" name="내용 개체 틀 4"/>
+          <p:cNvSpPr>
+            <a:spLocks noGrp="1"/>
+          </p:cNvSpPr>
+          <p:nvPr>
+            <p:ph idx="10"/>
+          </p:nvPr>
+        </p:nvSpPr>
+        <p:spPr/>
+        <p:txBody>
+          <a:bodyPr/>
+          <a:lstStyle/>
+          <a:p>
+            <a:r>
+              <a:rPr lang="en-US" altLang="ko-KR" dirty="0" smtClean="0">
+                <a:hlinkClick r:id="rId2"/>
+              </a:rPr>
+              <a:t>https://youtu.be/lVWL_Rd42Ts</a:t>
+            </a:r>
+            <a:endParaRPr lang="ko-KR" altLang="en-US" dirty="0"/>
+          </a:p>
+        </p:txBody>
+      </p:sp>
+    </p:spTree>
+    <p:extLst>
+      <p:ext uri="{BB962C8B-B14F-4D97-AF65-F5344CB8AC3E}">
+        <p14:creationId xmlns:p14="http://schemas.microsoft.com/office/powerpoint/2010/main" val="2048569770"/>
+      </p:ext>
+    </p:extLst>
+  </p:cSld>
+  <p:clrMapOvr>
+    <a:masterClrMapping/>
+  </p:clrMapOvr>
+  <p:timing>
+    <p:tnLst>
+      <p:par>
+        <p:cTn id="1" dur="indefinite" restart="never" nodeType="tmRoot"/>
+      </p:par>
+    </p:tnLst>
+  </p:timing>
 </p:sld>
 </file>
 
